--- a/SPRINT1/SPRINT_1.pptx
+++ b/SPRINT1/SPRINT_1.pptx
@@ -8,8 +8,9 @@
     <p:sldId id="256" r:id="rId2"/>
     <p:sldId id="258" r:id="rId3"/>
     <p:sldId id="259" r:id="rId4"/>
-    <p:sldId id="257" r:id="rId5"/>
-    <p:sldId id="260" r:id="rId6"/>
+    <p:sldId id="261" r:id="rId5"/>
+    <p:sldId id="257" r:id="rId6"/>
+    <p:sldId id="260" r:id="rId7"/>
   </p:sldIdLst>
   <p:sldSz cx="12192000" cy="6858000"/>
   <p:notesSz cx="6858000" cy="9144000"/>
@@ -108,6 +109,11 @@
       </a:defRPr>
     </a:lvl9pPr>
   </p:defaultTextStyle>
+  <p:extLst>
+    <p:ext uri="{EFAFB233-063F-42B5-8137-9DF3F51BA10A}">
+      <p15:sldGuideLst xmlns:p15="http://schemas.microsoft.com/office/powerpoint/2012/main"/>
+    </p:ext>
+  </p:extLst>
 </p:presentation>
 </file>
 
@@ -9828,6 +9834,1725 @@
     <p:bg>
       <p:bgPr>
         <a:solidFill>
+          <a:schemeClr val="bg2"/>
+        </a:solidFill>
+        <a:effectLst/>
+      </p:bgPr>
+    </p:bg>
+    <p:spTree>
+      <p:nvGrpSpPr>
+        <p:cNvPr id="1" name=""/>
+        <p:cNvGrpSpPr/>
+        <p:nvPr/>
+      </p:nvGrpSpPr>
+      <p:grpSpPr>
+        <a:xfrm>
+          <a:off x="0" y="0"/>
+          <a:ext cx="0" cy="0"/>
+          <a:chOff x="0" y="0"/>
+          <a:chExt cx="0" cy="0"/>
+        </a:xfrm>
+      </p:grpSpPr>
+      <p:sp>
+        <p:nvSpPr>
+          <p:cNvPr id="21" name="Freeform 6">
+            <a:extLst>
+              <a:ext uri="{FF2B5EF4-FFF2-40B4-BE49-F238E27FC236}">
+                <a16:creationId xmlns:a16="http://schemas.microsoft.com/office/drawing/2014/main" id="{DD0AEE21-CF4B-4395-A100-EFB0EB995182}"/>
+              </a:ext>
+              <a:ext uri="{C183D7F6-B498-43B3-948B-1728B52AA6E4}">
+                <adec:decorative xmlns:adec="http://schemas.microsoft.com/office/drawing/2017/decorative" val="1"/>
+              </a:ext>
+            </a:extLst>
+          </p:cNvPr>
+          <p:cNvSpPr>
+            <a:spLocks noGrp="1" noRot="1" noChangeAspect="1" noMove="1" noResize="1" noEditPoints="1" noAdjustHandles="1" noChangeArrowheads="1" noChangeShapeType="1" noTextEdit="1"/>
+          </p:cNvSpPr>
+          <p:nvPr>
+            <p:extLst>
+              <p:ext uri="{386F3935-93C4-4BCD-93E2-E3B085C9AB24}">
+                <p16:designElem xmlns:p16="http://schemas.microsoft.com/office/powerpoint/2015/main" val="1"/>
+              </p:ext>
+            </p:extLst>
+          </p:nvPr>
+        </p:nvSpPr>
+        <p:spPr bwMode="auto">
+          <a:xfrm>
+            <a:off x="0" y="0"/>
+            <a:ext cx="885825" cy="6858000"/>
+          </a:xfrm>
+          <a:custGeom>
+            <a:avLst/>
+            <a:gdLst/>
+            <a:ahLst/>
+            <a:cxnLst/>
+            <a:rect l="0" t="0" r="r" b="b"/>
+            <a:pathLst>
+              <a:path w="558" h="4320">
+                <a:moveTo>
+                  <a:pt x="0" y="0"/>
+                </a:moveTo>
+                <a:lnTo>
+                  <a:pt x="447" y="0"/>
+                </a:lnTo>
+                <a:lnTo>
+                  <a:pt x="448" y="43"/>
+                </a:lnTo>
+                <a:lnTo>
+                  <a:pt x="453" y="81"/>
+                </a:lnTo>
+                <a:lnTo>
+                  <a:pt x="460" y="114"/>
+                </a:lnTo>
+                <a:lnTo>
+                  <a:pt x="469" y="143"/>
+                </a:lnTo>
+                <a:lnTo>
+                  <a:pt x="479" y="169"/>
+                </a:lnTo>
+                <a:lnTo>
+                  <a:pt x="491" y="192"/>
+                </a:lnTo>
+                <a:lnTo>
+                  <a:pt x="503" y="216"/>
+                </a:lnTo>
+                <a:lnTo>
+                  <a:pt x="515" y="240"/>
+                </a:lnTo>
+                <a:lnTo>
+                  <a:pt x="525" y="263"/>
+                </a:lnTo>
+                <a:lnTo>
+                  <a:pt x="535" y="289"/>
+                </a:lnTo>
+                <a:lnTo>
+                  <a:pt x="545" y="318"/>
+                </a:lnTo>
+                <a:lnTo>
+                  <a:pt x="552" y="351"/>
+                </a:lnTo>
+                <a:lnTo>
+                  <a:pt x="556" y="389"/>
+                </a:lnTo>
+                <a:lnTo>
+                  <a:pt x="558" y="432"/>
+                </a:lnTo>
+                <a:lnTo>
+                  <a:pt x="556" y="475"/>
+                </a:lnTo>
+                <a:lnTo>
+                  <a:pt x="552" y="513"/>
+                </a:lnTo>
+                <a:lnTo>
+                  <a:pt x="545" y="546"/>
+                </a:lnTo>
+                <a:lnTo>
+                  <a:pt x="535" y="575"/>
+                </a:lnTo>
+                <a:lnTo>
+                  <a:pt x="525" y="601"/>
+                </a:lnTo>
+                <a:lnTo>
+                  <a:pt x="515" y="624"/>
+                </a:lnTo>
+                <a:lnTo>
+                  <a:pt x="503" y="648"/>
+                </a:lnTo>
+                <a:lnTo>
+                  <a:pt x="491" y="672"/>
+                </a:lnTo>
+                <a:lnTo>
+                  <a:pt x="479" y="695"/>
+                </a:lnTo>
+                <a:lnTo>
+                  <a:pt x="469" y="721"/>
+                </a:lnTo>
+                <a:lnTo>
+                  <a:pt x="460" y="750"/>
+                </a:lnTo>
+                <a:lnTo>
+                  <a:pt x="453" y="783"/>
+                </a:lnTo>
+                <a:lnTo>
+                  <a:pt x="448" y="821"/>
+                </a:lnTo>
+                <a:lnTo>
+                  <a:pt x="447" y="864"/>
+                </a:lnTo>
+                <a:lnTo>
+                  <a:pt x="448" y="907"/>
+                </a:lnTo>
+                <a:lnTo>
+                  <a:pt x="453" y="945"/>
+                </a:lnTo>
+                <a:lnTo>
+                  <a:pt x="460" y="978"/>
+                </a:lnTo>
+                <a:lnTo>
+                  <a:pt x="469" y="1007"/>
+                </a:lnTo>
+                <a:lnTo>
+                  <a:pt x="479" y="1033"/>
+                </a:lnTo>
+                <a:lnTo>
+                  <a:pt x="491" y="1056"/>
+                </a:lnTo>
+                <a:lnTo>
+                  <a:pt x="503" y="1080"/>
+                </a:lnTo>
+                <a:lnTo>
+                  <a:pt x="515" y="1104"/>
+                </a:lnTo>
+                <a:lnTo>
+                  <a:pt x="525" y="1127"/>
+                </a:lnTo>
+                <a:lnTo>
+                  <a:pt x="535" y="1153"/>
+                </a:lnTo>
+                <a:lnTo>
+                  <a:pt x="545" y="1182"/>
+                </a:lnTo>
+                <a:lnTo>
+                  <a:pt x="552" y="1215"/>
+                </a:lnTo>
+                <a:lnTo>
+                  <a:pt x="556" y="1253"/>
+                </a:lnTo>
+                <a:lnTo>
+                  <a:pt x="558" y="1296"/>
+                </a:lnTo>
+                <a:lnTo>
+                  <a:pt x="556" y="1339"/>
+                </a:lnTo>
+                <a:lnTo>
+                  <a:pt x="552" y="1377"/>
+                </a:lnTo>
+                <a:lnTo>
+                  <a:pt x="545" y="1410"/>
+                </a:lnTo>
+                <a:lnTo>
+                  <a:pt x="535" y="1439"/>
+                </a:lnTo>
+                <a:lnTo>
+                  <a:pt x="525" y="1465"/>
+                </a:lnTo>
+                <a:lnTo>
+                  <a:pt x="515" y="1488"/>
+                </a:lnTo>
+                <a:lnTo>
+                  <a:pt x="503" y="1512"/>
+                </a:lnTo>
+                <a:lnTo>
+                  <a:pt x="491" y="1536"/>
+                </a:lnTo>
+                <a:lnTo>
+                  <a:pt x="479" y="1559"/>
+                </a:lnTo>
+                <a:lnTo>
+                  <a:pt x="469" y="1585"/>
+                </a:lnTo>
+                <a:lnTo>
+                  <a:pt x="460" y="1614"/>
+                </a:lnTo>
+                <a:lnTo>
+                  <a:pt x="453" y="1647"/>
+                </a:lnTo>
+                <a:lnTo>
+                  <a:pt x="448" y="1685"/>
+                </a:lnTo>
+                <a:lnTo>
+                  <a:pt x="447" y="1728"/>
+                </a:lnTo>
+                <a:lnTo>
+                  <a:pt x="448" y="1771"/>
+                </a:lnTo>
+                <a:lnTo>
+                  <a:pt x="453" y="1809"/>
+                </a:lnTo>
+                <a:lnTo>
+                  <a:pt x="460" y="1842"/>
+                </a:lnTo>
+                <a:lnTo>
+                  <a:pt x="469" y="1871"/>
+                </a:lnTo>
+                <a:lnTo>
+                  <a:pt x="479" y="1897"/>
+                </a:lnTo>
+                <a:lnTo>
+                  <a:pt x="491" y="1920"/>
+                </a:lnTo>
+                <a:lnTo>
+                  <a:pt x="503" y="1944"/>
+                </a:lnTo>
+                <a:lnTo>
+                  <a:pt x="515" y="1968"/>
+                </a:lnTo>
+                <a:lnTo>
+                  <a:pt x="525" y="1991"/>
+                </a:lnTo>
+                <a:lnTo>
+                  <a:pt x="535" y="2017"/>
+                </a:lnTo>
+                <a:lnTo>
+                  <a:pt x="545" y="2046"/>
+                </a:lnTo>
+                <a:lnTo>
+                  <a:pt x="552" y="2079"/>
+                </a:lnTo>
+                <a:lnTo>
+                  <a:pt x="556" y="2117"/>
+                </a:lnTo>
+                <a:lnTo>
+                  <a:pt x="558" y="2159"/>
+                </a:lnTo>
+                <a:lnTo>
+                  <a:pt x="556" y="2203"/>
+                </a:lnTo>
+                <a:lnTo>
+                  <a:pt x="552" y="2241"/>
+                </a:lnTo>
+                <a:lnTo>
+                  <a:pt x="545" y="2274"/>
+                </a:lnTo>
+                <a:lnTo>
+                  <a:pt x="535" y="2303"/>
+                </a:lnTo>
+                <a:lnTo>
+                  <a:pt x="525" y="2329"/>
+                </a:lnTo>
+                <a:lnTo>
+                  <a:pt x="515" y="2352"/>
+                </a:lnTo>
+                <a:lnTo>
+                  <a:pt x="503" y="2376"/>
+                </a:lnTo>
+                <a:lnTo>
+                  <a:pt x="491" y="2400"/>
+                </a:lnTo>
+                <a:lnTo>
+                  <a:pt x="479" y="2423"/>
+                </a:lnTo>
+                <a:lnTo>
+                  <a:pt x="469" y="2449"/>
+                </a:lnTo>
+                <a:lnTo>
+                  <a:pt x="460" y="2478"/>
+                </a:lnTo>
+                <a:lnTo>
+                  <a:pt x="453" y="2511"/>
+                </a:lnTo>
+                <a:lnTo>
+                  <a:pt x="448" y="2549"/>
+                </a:lnTo>
+                <a:lnTo>
+                  <a:pt x="447" y="2592"/>
+                </a:lnTo>
+                <a:lnTo>
+                  <a:pt x="448" y="2635"/>
+                </a:lnTo>
+                <a:lnTo>
+                  <a:pt x="453" y="2673"/>
+                </a:lnTo>
+                <a:lnTo>
+                  <a:pt x="460" y="2706"/>
+                </a:lnTo>
+                <a:lnTo>
+                  <a:pt x="469" y="2735"/>
+                </a:lnTo>
+                <a:lnTo>
+                  <a:pt x="479" y="2761"/>
+                </a:lnTo>
+                <a:lnTo>
+                  <a:pt x="491" y="2784"/>
+                </a:lnTo>
+                <a:lnTo>
+                  <a:pt x="515" y="2832"/>
+                </a:lnTo>
+                <a:lnTo>
+                  <a:pt x="525" y="2855"/>
+                </a:lnTo>
+                <a:lnTo>
+                  <a:pt x="535" y="2881"/>
+                </a:lnTo>
+                <a:lnTo>
+                  <a:pt x="545" y="2910"/>
+                </a:lnTo>
+                <a:lnTo>
+                  <a:pt x="552" y="2943"/>
+                </a:lnTo>
+                <a:lnTo>
+                  <a:pt x="556" y="2981"/>
+                </a:lnTo>
+                <a:lnTo>
+                  <a:pt x="558" y="3024"/>
+                </a:lnTo>
+                <a:lnTo>
+                  <a:pt x="556" y="3067"/>
+                </a:lnTo>
+                <a:lnTo>
+                  <a:pt x="552" y="3105"/>
+                </a:lnTo>
+                <a:lnTo>
+                  <a:pt x="545" y="3138"/>
+                </a:lnTo>
+                <a:lnTo>
+                  <a:pt x="535" y="3167"/>
+                </a:lnTo>
+                <a:lnTo>
+                  <a:pt x="525" y="3193"/>
+                </a:lnTo>
+                <a:lnTo>
+                  <a:pt x="515" y="3216"/>
+                </a:lnTo>
+                <a:lnTo>
+                  <a:pt x="503" y="3240"/>
+                </a:lnTo>
+                <a:lnTo>
+                  <a:pt x="491" y="3264"/>
+                </a:lnTo>
+                <a:lnTo>
+                  <a:pt x="479" y="3287"/>
+                </a:lnTo>
+                <a:lnTo>
+                  <a:pt x="469" y="3313"/>
+                </a:lnTo>
+                <a:lnTo>
+                  <a:pt x="460" y="3342"/>
+                </a:lnTo>
+                <a:lnTo>
+                  <a:pt x="453" y="3375"/>
+                </a:lnTo>
+                <a:lnTo>
+                  <a:pt x="448" y="3413"/>
+                </a:lnTo>
+                <a:lnTo>
+                  <a:pt x="447" y="3456"/>
+                </a:lnTo>
+                <a:lnTo>
+                  <a:pt x="448" y="3499"/>
+                </a:lnTo>
+                <a:lnTo>
+                  <a:pt x="453" y="3537"/>
+                </a:lnTo>
+                <a:lnTo>
+                  <a:pt x="460" y="3570"/>
+                </a:lnTo>
+                <a:lnTo>
+                  <a:pt x="469" y="3599"/>
+                </a:lnTo>
+                <a:lnTo>
+                  <a:pt x="479" y="3625"/>
+                </a:lnTo>
+                <a:lnTo>
+                  <a:pt x="491" y="3648"/>
+                </a:lnTo>
+                <a:lnTo>
+                  <a:pt x="503" y="3672"/>
+                </a:lnTo>
+                <a:lnTo>
+                  <a:pt x="515" y="3696"/>
+                </a:lnTo>
+                <a:lnTo>
+                  <a:pt x="525" y="3719"/>
+                </a:lnTo>
+                <a:lnTo>
+                  <a:pt x="535" y="3745"/>
+                </a:lnTo>
+                <a:lnTo>
+                  <a:pt x="545" y="3774"/>
+                </a:lnTo>
+                <a:lnTo>
+                  <a:pt x="552" y="3807"/>
+                </a:lnTo>
+                <a:lnTo>
+                  <a:pt x="556" y="3845"/>
+                </a:lnTo>
+                <a:lnTo>
+                  <a:pt x="558" y="3888"/>
+                </a:lnTo>
+                <a:lnTo>
+                  <a:pt x="556" y="3931"/>
+                </a:lnTo>
+                <a:lnTo>
+                  <a:pt x="552" y="3969"/>
+                </a:lnTo>
+                <a:lnTo>
+                  <a:pt x="545" y="4002"/>
+                </a:lnTo>
+                <a:lnTo>
+                  <a:pt x="535" y="4031"/>
+                </a:lnTo>
+                <a:lnTo>
+                  <a:pt x="525" y="4057"/>
+                </a:lnTo>
+                <a:lnTo>
+                  <a:pt x="515" y="4080"/>
+                </a:lnTo>
+                <a:lnTo>
+                  <a:pt x="503" y="4104"/>
+                </a:lnTo>
+                <a:lnTo>
+                  <a:pt x="491" y="4128"/>
+                </a:lnTo>
+                <a:lnTo>
+                  <a:pt x="479" y="4151"/>
+                </a:lnTo>
+                <a:lnTo>
+                  <a:pt x="469" y="4177"/>
+                </a:lnTo>
+                <a:lnTo>
+                  <a:pt x="460" y="4206"/>
+                </a:lnTo>
+                <a:lnTo>
+                  <a:pt x="453" y="4239"/>
+                </a:lnTo>
+                <a:lnTo>
+                  <a:pt x="448" y="4277"/>
+                </a:lnTo>
+                <a:lnTo>
+                  <a:pt x="447" y="4320"/>
+                </a:lnTo>
+                <a:lnTo>
+                  <a:pt x="0" y="4320"/>
+                </a:lnTo>
+                <a:lnTo>
+                  <a:pt x="0" y="0"/>
+                </a:lnTo>
+                <a:close/>
+              </a:path>
+            </a:pathLst>
+          </a:custGeom>
+          <a:solidFill>
+            <a:schemeClr val="tx2"/>
+          </a:solidFill>
+          <a:ln w="0">
+            <a:noFill/>
+            <a:prstDash val="solid"/>
+            <a:round/>
+            <a:headEnd/>
+            <a:tailEnd/>
+          </a:ln>
+        </p:spPr>
+      </p:sp>
+      <p:sp>
+        <p:nvSpPr>
+          <p:cNvPr id="23" name="Rectangle 22">
+            <a:extLst>
+              <a:ext uri="{FF2B5EF4-FFF2-40B4-BE49-F238E27FC236}">
+                <a16:creationId xmlns:a16="http://schemas.microsoft.com/office/drawing/2014/main" id="{9F8DBD9A-1B56-4D4B-856B-89CC682C6B2B}"/>
+              </a:ext>
+              <a:ext uri="{C183D7F6-B498-43B3-948B-1728B52AA6E4}">
+                <adec:decorative xmlns:adec="http://schemas.microsoft.com/office/drawing/2017/decorative" val="1"/>
+              </a:ext>
+            </a:extLst>
+          </p:cNvPr>
+          <p:cNvSpPr>
+            <a:spLocks noGrp="1" noRot="1" noChangeAspect="1" noMove="1" noResize="1" noEditPoints="1" noAdjustHandles="1" noChangeArrowheads="1" noChangeShapeType="1" noTextEdit="1"/>
+          </p:cNvSpPr>
+          <p:nvPr>
+            <p:extLst>
+              <p:ext uri="{386F3935-93C4-4BCD-93E2-E3B085C9AB24}">
+                <p16:designElem xmlns:p16="http://schemas.microsoft.com/office/powerpoint/2015/main" val="1"/>
+              </p:ext>
+            </p:extLst>
+          </p:nvPr>
+        </p:nvSpPr>
+        <p:spPr>
+          <a:xfrm>
+            <a:off x="11908536" y="0"/>
+            <a:ext cx="283464" cy="6858000"/>
+          </a:xfrm>
+          <a:prstGeom prst="rect">
+            <a:avLst/>
+          </a:prstGeom>
+          <a:solidFill>
+            <a:schemeClr val="accent1"/>
+          </a:solidFill>
+          <a:ln>
+            <a:noFill/>
+          </a:ln>
+        </p:spPr>
+        <p:style>
+          <a:lnRef idx="2">
+            <a:schemeClr val="accent1">
+              <a:shade val="50000"/>
+            </a:schemeClr>
+          </a:lnRef>
+          <a:fillRef idx="1">
+            <a:schemeClr val="accent1"/>
+          </a:fillRef>
+          <a:effectRef idx="0">
+            <a:schemeClr val="accent1"/>
+          </a:effectRef>
+          <a:fontRef idx="minor">
+            <a:schemeClr val="lt1"/>
+          </a:fontRef>
+        </p:style>
+      </p:sp>
+      <p:sp>
+        <p:nvSpPr>
+          <p:cNvPr id="25" name="Rectangle 24">
+            <a:extLst>
+              <a:ext uri="{FF2B5EF4-FFF2-40B4-BE49-F238E27FC236}">
+                <a16:creationId xmlns:a16="http://schemas.microsoft.com/office/drawing/2014/main" id="{EE079F42-5C7A-44DD-9E9F-A34795A48F1B}"/>
+              </a:ext>
+              <a:ext uri="{C183D7F6-B498-43B3-948B-1728B52AA6E4}">
+                <adec:decorative xmlns:adec="http://schemas.microsoft.com/office/drawing/2017/decorative" val="1"/>
+              </a:ext>
+            </a:extLst>
+          </p:cNvPr>
+          <p:cNvSpPr>
+            <a:spLocks noGrp="1" noRot="1" noChangeAspect="1" noMove="1" noResize="1" noEditPoints="1" noAdjustHandles="1" noChangeArrowheads="1" noChangeShapeType="1" noTextEdit="1"/>
+          </p:cNvSpPr>
+          <p:nvPr>
+            <p:extLst>
+              <p:ext uri="{386F3935-93C4-4BCD-93E2-E3B085C9AB24}">
+                <p16:designElem xmlns:p16="http://schemas.microsoft.com/office/powerpoint/2015/main" val="1"/>
+              </p:ext>
+            </p:extLst>
+          </p:nvPr>
+        </p:nvSpPr>
+        <p:spPr>
+          <a:xfrm>
+            <a:off x="719091" y="0"/>
+            <a:ext cx="11472909" cy="6858000"/>
+          </a:xfrm>
+          <a:prstGeom prst="rect">
+            <a:avLst/>
+          </a:prstGeom>
+          <a:solidFill>
+            <a:schemeClr val="accent1"/>
+          </a:solidFill>
+          <a:ln>
+            <a:noFill/>
+          </a:ln>
+        </p:spPr>
+        <p:style>
+          <a:lnRef idx="2">
+            <a:schemeClr val="accent1">
+              <a:shade val="50000"/>
+            </a:schemeClr>
+          </a:lnRef>
+          <a:fillRef idx="1">
+            <a:schemeClr val="accent1"/>
+          </a:fillRef>
+          <a:effectRef idx="0">
+            <a:schemeClr val="accent1"/>
+          </a:effectRef>
+          <a:fontRef idx="minor">
+            <a:schemeClr val="lt1"/>
+          </a:fontRef>
+        </p:style>
+      </p:sp>
+      <p:sp>
+        <p:nvSpPr>
+          <p:cNvPr id="27" name="Freeform 6">
+            <a:extLst>
+              <a:ext uri="{FF2B5EF4-FFF2-40B4-BE49-F238E27FC236}">
+                <a16:creationId xmlns:a16="http://schemas.microsoft.com/office/drawing/2014/main" id="{09777E15-6D68-4808-AD20-82EA7377F433}"/>
+              </a:ext>
+              <a:ext uri="{C183D7F6-B498-43B3-948B-1728B52AA6E4}">
+                <adec:decorative xmlns:adec="http://schemas.microsoft.com/office/drawing/2017/decorative" val="1"/>
+              </a:ext>
+            </a:extLst>
+          </p:cNvPr>
+          <p:cNvSpPr>
+            <a:spLocks noGrp="1" noRot="1" noChangeAspect="1" noMove="1" noResize="1" noEditPoints="1" noAdjustHandles="1" noChangeArrowheads="1" noChangeShapeType="1" noTextEdit="1"/>
+          </p:cNvSpPr>
+          <p:nvPr>
+            <p:extLst>
+              <p:ext uri="{386F3935-93C4-4BCD-93E2-E3B085C9AB24}">
+                <p16:designElem xmlns:p16="http://schemas.microsoft.com/office/powerpoint/2015/main" val="1"/>
+              </p:ext>
+            </p:extLst>
+          </p:nvPr>
+        </p:nvSpPr>
+        <p:spPr bwMode="auto">
+          <a:xfrm>
+            <a:off x="113285" y="0"/>
+            <a:ext cx="885825" cy="6858000"/>
+          </a:xfrm>
+          <a:custGeom>
+            <a:avLst/>
+            <a:gdLst/>
+            <a:ahLst/>
+            <a:cxnLst/>
+            <a:rect l="0" t="0" r="r" b="b"/>
+            <a:pathLst>
+              <a:path w="558" h="4320">
+                <a:moveTo>
+                  <a:pt x="0" y="0"/>
+                </a:moveTo>
+                <a:lnTo>
+                  <a:pt x="447" y="0"/>
+                </a:lnTo>
+                <a:lnTo>
+                  <a:pt x="448" y="43"/>
+                </a:lnTo>
+                <a:lnTo>
+                  <a:pt x="453" y="81"/>
+                </a:lnTo>
+                <a:lnTo>
+                  <a:pt x="460" y="114"/>
+                </a:lnTo>
+                <a:lnTo>
+                  <a:pt x="469" y="143"/>
+                </a:lnTo>
+                <a:lnTo>
+                  <a:pt x="479" y="169"/>
+                </a:lnTo>
+                <a:lnTo>
+                  <a:pt x="491" y="192"/>
+                </a:lnTo>
+                <a:lnTo>
+                  <a:pt x="503" y="216"/>
+                </a:lnTo>
+                <a:lnTo>
+                  <a:pt x="515" y="240"/>
+                </a:lnTo>
+                <a:lnTo>
+                  <a:pt x="525" y="263"/>
+                </a:lnTo>
+                <a:lnTo>
+                  <a:pt x="535" y="289"/>
+                </a:lnTo>
+                <a:lnTo>
+                  <a:pt x="545" y="318"/>
+                </a:lnTo>
+                <a:lnTo>
+                  <a:pt x="552" y="351"/>
+                </a:lnTo>
+                <a:lnTo>
+                  <a:pt x="556" y="389"/>
+                </a:lnTo>
+                <a:lnTo>
+                  <a:pt x="558" y="432"/>
+                </a:lnTo>
+                <a:lnTo>
+                  <a:pt x="556" y="475"/>
+                </a:lnTo>
+                <a:lnTo>
+                  <a:pt x="552" y="513"/>
+                </a:lnTo>
+                <a:lnTo>
+                  <a:pt x="545" y="546"/>
+                </a:lnTo>
+                <a:lnTo>
+                  <a:pt x="535" y="575"/>
+                </a:lnTo>
+                <a:lnTo>
+                  <a:pt x="525" y="601"/>
+                </a:lnTo>
+                <a:lnTo>
+                  <a:pt x="515" y="624"/>
+                </a:lnTo>
+                <a:lnTo>
+                  <a:pt x="503" y="648"/>
+                </a:lnTo>
+                <a:lnTo>
+                  <a:pt x="491" y="672"/>
+                </a:lnTo>
+                <a:lnTo>
+                  <a:pt x="479" y="695"/>
+                </a:lnTo>
+                <a:lnTo>
+                  <a:pt x="469" y="721"/>
+                </a:lnTo>
+                <a:lnTo>
+                  <a:pt x="460" y="750"/>
+                </a:lnTo>
+                <a:lnTo>
+                  <a:pt x="453" y="783"/>
+                </a:lnTo>
+                <a:lnTo>
+                  <a:pt x="448" y="821"/>
+                </a:lnTo>
+                <a:lnTo>
+                  <a:pt x="447" y="864"/>
+                </a:lnTo>
+                <a:lnTo>
+                  <a:pt x="448" y="907"/>
+                </a:lnTo>
+                <a:lnTo>
+                  <a:pt x="453" y="945"/>
+                </a:lnTo>
+                <a:lnTo>
+                  <a:pt x="460" y="978"/>
+                </a:lnTo>
+                <a:lnTo>
+                  <a:pt x="469" y="1007"/>
+                </a:lnTo>
+                <a:lnTo>
+                  <a:pt x="479" y="1033"/>
+                </a:lnTo>
+                <a:lnTo>
+                  <a:pt x="491" y="1056"/>
+                </a:lnTo>
+                <a:lnTo>
+                  <a:pt x="503" y="1080"/>
+                </a:lnTo>
+                <a:lnTo>
+                  <a:pt x="515" y="1104"/>
+                </a:lnTo>
+                <a:lnTo>
+                  <a:pt x="525" y="1127"/>
+                </a:lnTo>
+                <a:lnTo>
+                  <a:pt x="535" y="1153"/>
+                </a:lnTo>
+                <a:lnTo>
+                  <a:pt x="545" y="1182"/>
+                </a:lnTo>
+                <a:lnTo>
+                  <a:pt x="552" y="1215"/>
+                </a:lnTo>
+                <a:lnTo>
+                  <a:pt x="556" y="1253"/>
+                </a:lnTo>
+                <a:lnTo>
+                  <a:pt x="558" y="1296"/>
+                </a:lnTo>
+                <a:lnTo>
+                  <a:pt x="556" y="1339"/>
+                </a:lnTo>
+                <a:lnTo>
+                  <a:pt x="552" y="1377"/>
+                </a:lnTo>
+                <a:lnTo>
+                  <a:pt x="545" y="1410"/>
+                </a:lnTo>
+                <a:lnTo>
+                  <a:pt x="535" y="1439"/>
+                </a:lnTo>
+                <a:lnTo>
+                  <a:pt x="525" y="1465"/>
+                </a:lnTo>
+                <a:lnTo>
+                  <a:pt x="515" y="1488"/>
+                </a:lnTo>
+                <a:lnTo>
+                  <a:pt x="503" y="1512"/>
+                </a:lnTo>
+                <a:lnTo>
+                  <a:pt x="491" y="1536"/>
+                </a:lnTo>
+                <a:lnTo>
+                  <a:pt x="479" y="1559"/>
+                </a:lnTo>
+                <a:lnTo>
+                  <a:pt x="469" y="1585"/>
+                </a:lnTo>
+                <a:lnTo>
+                  <a:pt x="460" y="1614"/>
+                </a:lnTo>
+                <a:lnTo>
+                  <a:pt x="453" y="1647"/>
+                </a:lnTo>
+                <a:lnTo>
+                  <a:pt x="448" y="1685"/>
+                </a:lnTo>
+                <a:lnTo>
+                  <a:pt x="447" y="1728"/>
+                </a:lnTo>
+                <a:lnTo>
+                  <a:pt x="448" y="1771"/>
+                </a:lnTo>
+                <a:lnTo>
+                  <a:pt x="453" y="1809"/>
+                </a:lnTo>
+                <a:lnTo>
+                  <a:pt x="460" y="1842"/>
+                </a:lnTo>
+                <a:lnTo>
+                  <a:pt x="469" y="1871"/>
+                </a:lnTo>
+                <a:lnTo>
+                  <a:pt x="479" y="1897"/>
+                </a:lnTo>
+                <a:lnTo>
+                  <a:pt x="491" y="1920"/>
+                </a:lnTo>
+                <a:lnTo>
+                  <a:pt x="503" y="1944"/>
+                </a:lnTo>
+                <a:lnTo>
+                  <a:pt x="515" y="1968"/>
+                </a:lnTo>
+                <a:lnTo>
+                  <a:pt x="525" y="1991"/>
+                </a:lnTo>
+                <a:lnTo>
+                  <a:pt x="535" y="2017"/>
+                </a:lnTo>
+                <a:lnTo>
+                  <a:pt x="545" y="2046"/>
+                </a:lnTo>
+                <a:lnTo>
+                  <a:pt x="552" y="2079"/>
+                </a:lnTo>
+                <a:lnTo>
+                  <a:pt x="556" y="2117"/>
+                </a:lnTo>
+                <a:lnTo>
+                  <a:pt x="558" y="2159"/>
+                </a:lnTo>
+                <a:lnTo>
+                  <a:pt x="556" y="2203"/>
+                </a:lnTo>
+                <a:lnTo>
+                  <a:pt x="552" y="2241"/>
+                </a:lnTo>
+                <a:lnTo>
+                  <a:pt x="545" y="2274"/>
+                </a:lnTo>
+                <a:lnTo>
+                  <a:pt x="535" y="2303"/>
+                </a:lnTo>
+                <a:lnTo>
+                  <a:pt x="525" y="2329"/>
+                </a:lnTo>
+                <a:lnTo>
+                  <a:pt x="515" y="2352"/>
+                </a:lnTo>
+                <a:lnTo>
+                  <a:pt x="503" y="2376"/>
+                </a:lnTo>
+                <a:lnTo>
+                  <a:pt x="491" y="2400"/>
+                </a:lnTo>
+                <a:lnTo>
+                  <a:pt x="479" y="2423"/>
+                </a:lnTo>
+                <a:lnTo>
+                  <a:pt x="469" y="2449"/>
+                </a:lnTo>
+                <a:lnTo>
+                  <a:pt x="460" y="2478"/>
+                </a:lnTo>
+                <a:lnTo>
+                  <a:pt x="453" y="2511"/>
+                </a:lnTo>
+                <a:lnTo>
+                  <a:pt x="448" y="2549"/>
+                </a:lnTo>
+                <a:lnTo>
+                  <a:pt x="447" y="2592"/>
+                </a:lnTo>
+                <a:lnTo>
+                  <a:pt x="448" y="2635"/>
+                </a:lnTo>
+                <a:lnTo>
+                  <a:pt x="453" y="2673"/>
+                </a:lnTo>
+                <a:lnTo>
+                  <a:pt x="460" y="2706"/>
+                </a:lnTo>
+                <a:lnTo>
+                  <a:pt x="469" y="2735"/>
+                </a:lnTo>
+                <a:lnTo>
+                  <a:pt x="479" y="2761"/>
+                </a:lnTo>
+                <a:lnTo>
+                  <a:pt x="491" y="2784"/>
+                </a:lnTo>
+                <a:lnTo>
+                  <a:pt x="515" y="2832"/>
+                </a:lnTo>
+                <a:lnTo>
+                  <a:pt x="525" y="2855"/>
+                </a:lnTo>
+                <a:lnTo>
+                  <a:pt x="535" y="2881"/>
+                </a:lnTo>
+                <a:lnTo>
+                  <a:pt x="545" y="2910"/>
+                </a:lnTo>
+                <a:lnTo>
+                  <a:pt x="552" y="2943"/>
+                </a:lnTo>
+                <a:lnTo>
+                  <a:pt x="556" y="2981"/>
+                </a:lnTo>
+                <a:lnTo>
+                  <a:pt x="558" y="3024"/>
+                </a:lnTo>
+                <a:lnTo>
+                  <a:pt x="556" y="3067"/>
+                </a:lnTo>
+                <a:lnTo>
+                  <a:pt x="552" y="3105"/>
+                </a:lnTo>
+                <a:lnTo>
+                  <a:pt x="545" y="3138"/>
+                </a:lnTo>
+                <a:lnTo>
+                  <a:pt x="535" y="3167"/>
+                </a:lnTo>
+                <a:lnTo>
+                  <a:pt x="525" y="3193"/>
+                </a:lnTo>
+                <a:lnTo>
+                  <a:pt x="515" y="3216"/>
+                </a:lnTo>
+                <a:lnTo>
+                  <a:pt x="503" y="3240"/>
+                </a:lnTo>
+                <a:lnTo>
+                  <a:pt x="491" y="3264"/>
+                </a:lnTo>
+                <a:lnTo>
+                  <a:pt x="479" y="3287"/>
+                </a:lnTo>
+                <a:lnTo>
+                  <a:pt x="469" y="3313"/>
+                </a:lnTo>
+                <a:lnTo>
+                  <a:pt x="460" y="3342"/>
+                </a:lnTo>
+                <a:lnTo>
+                  <a:pt x="453" y="3375"/>
+                </a:lnTo>
+                <a:lnTo>
+                  <a:pt x="448" y="3413"/>
+                </a:lnTo>
+                <a:lnTo>
+                  <a:pt x="447" y="3456"/>
+                </a:lnTo>
+                <a:lnTo>
+                  <a:pt x="448" y="3499"/>
+                </a:lnTo>
+                <a:lnTo>
+                  <a:pt x="453" y="3537"/>
+                </a:lnTo>
+                <a:lnTo>
+                  <a:pt x="460" y="3570"/>
+                </a:lnTo>
+                <a:lnTo>
+                  <a:pt x="469" y="3599"/>
+                </a:lnTo>
+                <a:lnTo>
+                  <a:pt x="479" y="3625"/>
+                </a:lnTo>
+                <a:lnTo>
+                  <a:pt x="491" y="3648"/>
+                </a:lnTo>
+                <a:lnTo>
+                  <a:pt x="503" y="3672"/>
+                </a:lnTo>
+                <a:lnTo>
+                  <a:pt x="515" y="3696"/>
+                </a:lnTo>
+                <a:lnTo>
+                  <a:pt x="525" y="3719"/>
+                </a:lnTo>
+                <a:lnTo>
+                  <a:pt x="535" y="3745"/>
+                </a:lnTo>
+                <a:lnTo>
+                  <a:pt x="545" y="3774"/>
+                </a:lnTo>
+                <a:lnTo>
+                  <a:pt x="552" y="3807"/>
+                </a:lnTo>
+                <a:lnTo>
+                  <a:pt x="556" y="3845"/>
+                </a:lnTo>
+                <a:lnTo>
+                  <a:pt x="558" y="3888"/>
+                </a:lnTo>
+                <a:lnTo>
+                  <a:pt x="556" y="3931"/>
+                </a:lnTo>
+                <a:lnTo>
+                  <a:pt x="552" y="3969"/>
+                </a:lnTo>
+                <a:lnTo>
+                  <a:pt x="545" y="4002"/>
+                </a:lnTo>
+                <a:lnTo>
+                  <a:pt x="535" y="4031"/>
+                </a:lnTo>
+                <a:lnTo>
+                  <a:pt x="525" y="4057"/>
+                </a:lnTo>
+                <a:lnTo>
+                  <a:pt x="515" y="4080"/>
+                </a:lnTo>
+                <a:lnTo>
+                  <a:pt x="503" y="4104"/>
+                </a:lnTo>
+                <a:lnTo>
+                  <a:pt x="491" y="4128"/>
+                </a:lnTo>
+                <a:lnTo>
+                  <a:pt x="479" y="4151"/>
+                </a:lnTo>
+                <a:lnTo>
+                  <a:pt x="469" y="4177"/>
+                </a:lnTo>
+                <a:lnTo>
+                  <a:pt x="460" y="4206"/>
+                </a:lnTo>
+                <a:lnTo>
+                  <a:pt x="453" y="4239"/>
+                </a:lnTo>
+                <a:lnTo>
+                  <a:pt x="448" y="4277"/>
+                </a:lnTo>
+                <a:lnTo>
+                  <a:pt x="447" y="4320"/>
+                </a:lnTo>
+                <a:lnTo>
+                  <a:pt x="0" y="4320"/>
+                </a:lnTo>
+                <a:lnTo>
+                  <a:pt x="0" y="0"/>
+                </a:lnTo>
+                <a:close/>
+              </a:path>
+            </a:pathLst>
+          </a:custGeom>
+          <a:solidFill>
+            <a:srgbClr val="FFFFFF"/>
+          </a:solidFill>
+          <a:ln w="0">
+            <a:noFill/>
+            <a:prstDash val="solid"/>
+            <a:round/>
+            <a:headEnd/>
+            <a:tailEnd/>
+          </a:ln>
+        </p:spPr>
+      </p:sp>
+      <p:sp>
+        <p:nvSpPr>
+          <p:cNvPr id="29" name="Freeform 6">
+            <a:extLst>
+              <a:ext uri="{FF2B5EF4-FFF2-40B4-BE49-F238E27FC236}">
+                <a16:creationId xmlns:a16="http://schemas.microsoft.com/office/drawing/2014/main" id="{CE79CAD8-9F7F-4756-BD12-8463CA4C6F5A}"/>
+              </a:ext>
+              <a:ext uri="{C183D7F6-B498-43B3-948B-1728B52AA6E4}">
+                <adec:decorative xmlns:adec="http://schemas.microsoft.com/office/drawing/2017/decorative" val="1"/>
+              </a:ext>
+            </a:extLst>
+          </p:cNvPr>
+          <p:cNvSpPr>
+            <a:spLocks noGrp="1" noRot="1" noChangeAspect="1" noMove="1" noResize="1" noEditPoints="1" noAdjustHandles="1" noChangeArrowheads="1" noChangeShapeType="1" noTextEdit="1"/>
+          </p:cNvSpPr>
+          <p:nvPr>
+            <p:extLst>
+              <p:ext uri="{386F3935-93C4-4BCD-93E2-E3B085C9AB24}">
+                <p16:designElem xmlns:p16="http://schemas.microsoft.com/office/powerpoint/2015/main" val="1"/>
+              </p:ext>
+            </p:extLst>
+          </p:nvPr>
+        </p:nvSpPr>
+        <p:spPr bwMode="auto">
+          <a:xfrm>
+            <a:off x="0" y="0"/>
+            <a:ext cx="885825" cy="6858000"/>
+          </a:xfrm>
+          <a:custGeom>
+            <a:avLst/>
+            <a:gdLst/>
+            <a:ahLst/>
+            <a:cxnLst/>
+            <a:rect l="0" t="0" r="r" b="b"/>
+            <a:pathLst>
+              <a:path w="558" h="4320">
+                <a:moveTo>
+                  <a:pt x="0" y="0"/>
+                </a:moveTo>
+                <a:lnTo>
+                  <a:pt x="447" y="0"/>
+                </a:lnTo>
+                <a:lnTo>
+                  <a:pt x="448" y="43"/>
+                </a:lnTo>
+                <a:lnTo>
+                  <a:pt x="453" y="81"/>
+                </a:lnTo>
+                <a:lnTo>
+                  <a:pt x="460" y="114"/>
+                </a:lnTo>
+                <a:lnTo>
+                  <a:pt x="469" y="143"/>
+                </a:lnTo>
+                <a:lnTo>
+                  <a:pt x="479" y="169"/>
+                </a:lnTo>
+                <a:lnTo>
+                  <a:pt x="491" y="192"/>
+                </a:lnTo>
+                <a:lnTo>
+                  <a:pt x="503" y="216"/>
+                </a:lnTo>
+                <a:lnTo>
+                  <a:pt x="515" y="240"/>
+                </a:lnTo>
+                <a:lnTo>
+                  <a:pt x="525" y="263"/>
+                </a:lnTo>
+                <a:lnTo>
+                  <a:pt x="535" y="289"/>
+                </a:lnTo>
+                <a:lnTo>
+                  <a:pt x="545" y="318"/>
+                </a:lnTo>
+                <a:lnTo>
+                  <a:pt x="552" y="351"/>
+                </a:lnTo>
+                <a:lnTo>
+                  <a:pt x="556" y="389"/>
+                </a:lnTo>
+                <a:lnTo>
+                  <a:pt x="558" y="432"/>
+                </a:lnTo>
+                <a:lnTo>
+                  <a:pt x="556" y="475"/>
+                </a:lnTo>
+                <a:lnTo>
+                  <a:pt x="552" y="513"/>
+                </a:lnTo>
+                <a:lnTo>
+                  <a:pt x="545" y="546"/>
+                </a:lnTo>
+                <a:lnTo>
+                  <a:pt x="535" y="575"/>
+                </a:lnTo>
+                <a:lnTo>
+                  <a:pt x="525" y="601"/>
+                </a:lnTo>
+                <a:lnTo>
+                  <a:pt x="515" y="624"/>
+                </a:lnTo>
+                <a:lnTo>
+                  <a:pt x="503" y="648"/>
+                </a:lnTo>
+                <a:lnTo>
+                  <a:pt x="491" y="672"/>
+                </a:lnTo>
+                <a:lnTo>
+                  <a:pt x="479" y="695"/>
+                </a:lnTo>
+                <a:lnTo>
+                  <a:pt x="469" y="721"/>
+                </a:lnTo>
+                <a:lnTo>
+                  <a:pt x="460" y="750"/>
+                </a:lnTo>
+                <a:lnTo>
+                  <a:pt x="453" y="783"/>
+                </a:lnTo>
+                <a:lnTo>
+                  <a:pt x="448" y="821"/>
+                </a:lnTo>
+                <a:lnTo>
+                  <a:pt x="447" y="864"/>
+                </a:lnTo>
+                <a:lnTo>
+                  <a:pt x="448" y="907"/>
+                </a:lnTo>
+                <a:lnTo>
+                  <a:pt x="453" y="945"/>
+                </a:lnTo>
+                <a:lnTo>
+                  <a:pt x="460" y="978"/>
+                </a:lnTo>
+                <a:lnTo>
+                  <a:pt x="469" y="1007"/>
+                </a:lnTo>
+                <a:lnTo>
+                  <a:pt x="479" y="1033"/>
+                </a:lnTo>
+                <a:lnTo>
+                  <a:pt x="491" y="1056"/>
+                </a:lnTo>
+                <a:lnTo>
+                  <a:pt x="503" y="1080"/>
+                </a:lnTo>
+                <a:lnTo>
+                  <a:pt x="515" y="1104"/>
+                </a:lnTo>
+                <a:lnTo>
+                  <a:pt x="525" y="1127"/>
+                </a:lnTo>
+                <a:lnTo>
+                  <a:pt x="535" y="1153"/>
+                </a:lnTo>
+                <a:lnTo>
+                  <a:pt x="545" y="1182"/>
+                </a:lnTo>
+                <a:lnTo>
+                  <a:pt x="552" y="1215"/>
+                </a:lnTo>
+                <a:lnTo>
+                  <a:pt x="556" y="1253"/>
+                </a:lnTo>
+                <a:lnTo>
+                  <a:pt x="558" y="1296"/>
+                </a:lnTo>
+                <a:lnTo>
+                  <a:pt x="556" y="1339"/>
+                </a:lnTo>
+                <a:lnTo>
+                  <a:pt x="552" y="1377"/>
+                </a:lnTo>
+                <a:lnTo>
+                  <a:pt x="545" y="1410"/>
+                </a:lnTo>
+                <a:lnTo>
+                  <a:pt x="535" y="1439"/>
+                </a:lnTo>
+                <a:lnTo>
+                  <a:pt x="525" y="1465"/>
+                </a:lnTo>
+                <a:lnTo>
+                  <a:pt x="515" y="1488"/>
+                </a:lnTo>
+                <a:lnTo>
+                  <a:pt x="503" y="1512"/>
+                </a:lnTo>
+                <a:lnTo>
+                  <a:pt x="491" y="1536"/>
+                </a:lnTo>
+                <a:lnTo>
+                  <a:pt x="479" y="1559"/>
+                </a:lnTo>
+                <a:lnTo>
+                  <a:pt x="469" y="1585"/>
+                </a:lnTo>
+                <a:lnTo>
+                  <a:pt x="460" y="1614"/>
+                </a:lnTo>
+                <a:lnTo>
+                  <a:pt x="453" y="1647"/>
+                </a:lnTo>
+                <a:lnTo>
+                  <a:pt x="448" y="1685"/>
+                </a:lnTo>
+                <a:lnTo>
+                  <a:pt x="447" y="1728"/>
+                </a:lnTo>
+                <a:lnTo>
+                  <a:pt x="448" y="1771"/>
+                </a:lnTo>
+                <a:lnTo>
+                  <a:pt x="453" y="1809"/>
+                </a:lnTo>
+                <a:lnTo>
+                  <a:pt x="460" y="1842"/>
+                </a:lnTo>
+                <a:lnTo>
+                  <a:pt x="469" y="1871"/>
+                </a:lnTo>
+                <a:lnTo>
+                  <a:pt x="479" y="1897"/>
+                </a:lnTo>
+                <a:lnTo>
+                  <a:pt x="491" y="1920"/>
+                </a:lnTo>
+                <a:lnTo>
+                  <a:pt x="503" y="1944"/>
+                </a:lnTo>
+                <a:lnTo>
+                  <a:pt x="515" y="1968"/>
+                </a:lnTo>
+                <a:lnTo>
+                  <a:pt x="525" y="1991"/>
+                </a:lnTo>
+                <a:lnTo>
+                  <a:pt x="535" y="2017"/>
+                </a:lnTo>
+                <a:lnTo>
+                  <a:pt x="545" y="2046"/>
+                </a:lnTo>
+                <a:lnTo>
+                  <a:pt x="552" y="2079"/>
+                </a:lnTo>
+                <a:lnTo>
+                  <a:pt x="556" y="2117"/>
+                </a:lnTo>
+                <a:lnTo>
+                  <a:pt x="558" y="2159"/>
+                </a:lnTo>
+                <a:lnTo>
+                  <a:pt x="556" y="2203"/>
+                </a:lnTo>
+                <a:lnTo>
+                  <a:pt x="552" y="2241"/>
+                </a:lnTo>
+                <a:lnTo>
+                  <a:pt x="545" y="2274"/>
+                </a:lnTo>
+                <a:lnTo>
+                  <a:pt x="535" y="2303"/>
+                </a:lnTo>
+                <a:lnTo>
+                  <a:pt x="525" y="2329"/>
+                </a:lnTo>
+                <a:lnTo>
+                  <a:pt x="515" y="2352"/>
+                </a:lnTo>
+                <a:lnTo>
+                  <a:pt x="503" y="2376"/>
+                </a:lnTo>
+                <a:lnTo>
+                  <a:pt x="491" y="2400"/>
+                </a:lnTo>
+                <a:lnTo>
+                  <a:pt x="479" y="2423"/>
+                </a:lnTo>
+                <a:lnTo>
+                  <a:pt x="469" y="2449"/>
+                </a:lnTo>
+                <a:lnTo>
+                  <a:pt x="460" y="2478"/>
+                </a:lnTo>
+                <a:lnTo>
+                  <a:pt x="453" y="2511"/>
+                </a:lnTo>
+                <a:lnTo>
+                  <a:pt x="448" y="2549"/>
+                </a:lnTo>
+                <a:lnTo>
+                  <a:pt x="447" y="2592"/>
+                </a:lnTo>
+                <a:lnTo>
+                  <a:pt x="448" y="2635"/>
+                </a:lnTo>
+                <a:lnTo>
+                  <a:pt x="453" y="2673"/>
+                </a:lnTo>
+                <a:lnTo>
+                  <a:pt x="460" y="2706"/>
+                </a:lnTo>
+                <a:lnTo>
+                  <a:pt x="469" y="2735"/>
+                </a:lnTo>
+                <a:lnTo>
+                  <a:pt x="479" y="2761"/>
+                </a:lnTo>
+                <a:lnTo>
+                  <a:pt x="491" y="2784"/>
+                </a:lnTo>
+                <a:lnTo>
+                  <a:pt x="515" y="2832"/>
+                </a:lnTo>
+                <a:lnTo>
+                  <a:pt x="525" y="2855"/>
+                </a:lnTo>
+                <a:lnTo>
+                  <a:pt x="535" y="2881"/>
+                </a:lnTo>
+                <a:lnTo>
+                  <a:pt x="545" y="2910"/>
+                </a:lnTo>
+                <a:lnTo>
+                  <a:pt x="552" y="2943"/>
+                </a:lnTo>
+                <a:lnTo>
+                  <a:pt x="556" y="2981"/>
+                </a:lnTo>
+                <a:lnTo>
+                  <a:pt x="558" y="3024"/>
+                </a:lnTo>
+                <a:lnTo>
+                  <a:pt x="556" y="3067"/>
+                </a:lnTo>
+                <a:lnTo>
+                  <a:pt x="552" y="3105"/>
+                </a:lnTo>
+                <a:lnTo>
+                  <a:pt x="545" y="3138"/>
+                </a:lnTo>
+                <a:lnTo>
+                  <a:pt x="535" y="3167"/>
+                </a:lnTo>
+                <a:lnTo>
+                  <a:pt x="525" y="3193"/>
+                </a:lnTo>
+                <a:lnTo>
+                  <a:pt x="515" y="3216"/>
+                </a:lnTo>
+                <a:lnTo>
+                  <a:pt x="503" y="3240"/>
+                </a:lnTo>
+                <a:lnTo>
+                  <a:pt x="491" y="3264"/>
+                </a:lnTo>
+                <a:lnTo>
+                  <a:pt x="479" y="3287"/>
+                </a:lnTo>
+                <a:lnTo>
+                  <a:pt x="469" y="3313"/>
+                </a:lnTo>
+                <a:lnTo>
+                  <a:pt x="460" y="3342"/>
+                </a:lnTo>
+                <a:lnTo>
+                  <a:pt x="453" y="3375"/>
+                </a:lnTo>
+                <a:lnTo>
+                  <a:pt x="448" y="3413"/>
+                </a:lnTo>
+                <a:lnTo>
+                  <a:pt x="447" y="3456"/>
+                </a:lnTo>
+                <a:lnTo>
+                  <a:pt x="448" y="3499"/>
+                </a:lnTo>
+                <a:lnTo>
+                  <a:pt x="453" y="3537"/>
+                </a:lnTo>
+                <a:lnTo>
+                  <a:pt x="460" y="3570"/>
+                </a:lnTo>
+                <a:lnTo>
+                  <a:pt x="469" y="3599"/>
+                </a:lnTo>
+                <a:lnTo>
+                  <a:pt x="479" y="3625"/>
+                </a:lnTo>
+                <a:lnTo>
+                  <a:pt x="491" y="3648"/>
+                </a:lnTo>
+                <a:lnTo>
+                  <a:pt x="503" y="3672"/>
+                </a:lnTo>
+                <a:lnTo>
+                  <a:pt x="515" y="3696"/>
+                </a:lnTo>
+                <a:lnTo>
+                  <a:pt x="525" y="3719"/>
+                </a:lnTo>
+                <a:lnTo>
+                  <a:pt x="535" y="3745"/>
+                </a:lnTo>
+                <a:lnTo>
+                  <a:pt x="545" y="3774"/>
+                </a:lnTo>
+                <a:lnTo>
+                  <a:pt x="552" y="3807"/>
+                </a:lnTo>
+                <a:lnTo>
+                  <a:pt x="556" y="3845"/>
+                </a:lnTo>
+                <a:lnTo>
+                  <a:pt x="558" y="3888"/>
+                </a:lnTo>
+                <a:lnTo>
+                  <a:pt x="556" y="3931"/>
+                </a:lnTo>
+                <a:lnTo>
+                  <a:pt x="552" y="3969"/>
+                </a:lnTo>
+                <a:lnTo>
+                  <a:pt x="545" y="4002"/>
+                </a:lnTo>
+                <a:lnTo>
+                  <a:pt x="535" y="4031"/>
+                </a:lnTo>
+                <a:lnTo>
+                  <a:pt x="525" y="4057"/>
+                </a:lnTo>
+                <a:lnTo>
+                  <a:pt x="515" y="4080"/>
+                </a:lnTo>
+                <a:lnTo>
+                  <a:pt x="503" y="4104"/>
+                </a:lnTo>
+                <a:lnTo>
+                  <a:pt x="491" y="4128"/>
+                </a:lnTo>
+                <a:lnTo>
+                  <a:pt x="479" y="4151"/>
+                </a:lnTo>
+                <a:lnTo>
+                  <a:pt x="469" y="4177"/>
+                </a:lnTo>
+                <a:lnTo>
+                  <a:pt x="460" y="4206"/>
+                </a:lnTo>
+                <a:lnTo>
+                  <a:pt x="453" y="4239"/>
+                </a:lnTo>
+                <a:lnTo>
+                  <a:pt x="448" y="4277"/>
+                </a:lnTo>
+                <a:lnTo>
+                  <a:pt x="447" y="4320"/>
+                </a:lnTo>
+                <a:lnTo>
+                  <a:pt x="0" y="4320"/>
+                </a:lnTo>
+                <a:lnTo>
+                  <a:pt x="0" y="0"/>
+                </a:lnTo>
+                <a:close/>
+              </a:path>
+            </a:pathLst>
+          </a:custGeom>
+          <a:solidFill>
+            <a:schemeClr val="tx2"/>
+          </a:solidFill>
+          <a:ln w="0">
+            <a:noFill/>
+            <a:prstDash val="solid"/>
+            <a:round/>
+            <a:headEnd/>
+            <a:tailEnd/>
+          </a:ln>
+        </p:spPr>
+      </p:sp>
+      <p:sp>
+        <p:nvSpPr>
+          <p:cNvPr id="31" name="Rectangle 30">
+            <a:extLst>
+              <a:ext uri="{FF2B5EF4-FFF2-40B4-BE49-F238E27FC236}">
+                <a16:creationId xmlns:a16="http://schemas.microsoft.com/office/drawing/2014/main" id="{A9923A21-5790-4667-B5C7-ADA793B49933}"/>
+              </a:ext>
+              <a:ext uri="{C183D7F6-B498-43B3-948B-1728B52AA6E4}">
+                <adec:decorative xmlns:adec="http://schemas.microsoft.com/office/drawing/2017/decorative" val="1"/>
+              </a:ext>
+            </a:extLst>
+          </p:cNvPr>
+          <p:cNvSpPr>
+            <a:spLocks noGrp="1" noRot="1" noChangeAspect="1" noMove="1" noResize="1" noEditPoints="1" noAdjustHandles="1" noChangeArrowheads="1" noChangeShapeType="1" noTextEdit="1"/>
+          </p:cNvSpPr>
+          <p:nvPr>
+            <p:extLst>
+              <p:ext uri="{386F3935-93C4-4BCD-93E2-E3B085C9AB24}">
+                <p16:designElem xmlns:p16="http://schemas.microsoft.com/office/powerpoint/2015/main" val="1"/>
+              </p:ext>
+            </p:extLst>
+          </p:nvPr>
+        </p:nvSpPr>
+        <p:spPr>
+          <a:xfrm>
+            <a:off x="1664448" y="643466"/>
+            <a:ext cx="9600802" cy="5571067"/>
+          </a:xfrm>
+          <a:prstGeom prst="rect">
+            <a:avLst/>
+          </a:prstGeom>
+          <a:solidFill>
+            <a:srgbClr val="FFFFFF"/>
+          </a:solidFill>
+          <a:ln>
+            <a:noFill/>
+          </a:ln>
+        </p:spPr>
+        <p:style>
+          <a:lnRef idx="2">
+            <a:schemeClr val="accent1">
+              <a:shade val="50000"/>
+            </a:schemeClr>
+          </a:lnRef>
+          <a:fillRef idx="1">
+            <a:schemeClr val="accent1"/>
+          </a:fillRef>
+          <a:effectRef idx="0">
+            <a:schemeClr val="accent1"/>
+          </a:effectRef>
+          <a:fontRef idx="minor">
+            <a:schemeClr val="lt1"/>
+          </a:fontRef>
+        </p:style>
+        <p:txBody>
+          <a:bodyPr rtlCol="0" anchor="ctr"/>
+          <a:lstStyle/>
+          <a:p>
+            <a:pPr algn="ctr"/>
+            <a:endParaRPr lang="en-US"/>
+          </a:p>
+        </p:txBody>
+      </p:sp>
+      <p:pic>
+        <p:nvPicPr>
+          <p:cNvPr id="5" name="Marcador de contenido 4" descr="Mapa&#10;&#10;Descripción generada automáticamente">
+            <a:extLst>
+              <a:ext uri="{FF2B5EF4-FFF2-40B4-BE49-F238E27FC236}">
+                <a16:creationId xmlns:a16="http://schemas.microsoft.com/office/drawing/2014/main" id="{D91FCC74-9ACC-4E8D-B4D7-A4C948BC12CF}"/>
+              </a:ext>
+            </a:extLst>
+          </p:cNvPr>
+          <p:cNvPicPr>
+            <a:picLocks noChangeAspect="1"/>
+          </p:cNvPicPr>
+          <p:nvPr/>
+        </p:nvPicPr>
+        <p:blipFill>
+          <a:blip r:embed="rId2"/>
+          <a:stretch>
+            <a:fillRect/>
+          </a:stretch>
+        </p:blipFill>
+        <p:spPr>
+          <a:xfrm>
+            <a:off x="2968980" y="837163"/>
+            <a:ext cx="6911563" cy="5183673"/>
+          </a:xfrm>
+          <a:prstGeom prst="rect">
+            <a:avLst/>
+          </a:prstGeom>
+        </p:spPr>
+      </p:pic>
+      <p:sp>
+        <p:nvSpPr>
+          <p:cNvPr id="17" name="Título 1">
+            <a:extLst>
+              <a:ext uri="{FF2B5EF4-FFF2-40B4-BE49-F238E27FC236}">
+                <a16:creationId xmlns:a16="http://schemas.microsoft.com/office/drawing/2014/main" id="{4D537AD3-CD97-4D1A-8439-7EA19402578A}"/>
+              </a:ext>
+            </a:extLst>
+          </p:cNvPr>
+          <p:cNvSpPr>
+            <a:spLocks noGrp="1"/>
+          </p:cNvSpPr>
+          <p:nvPr>
+            <p:ph type="title"/>
+          </p:nvPr>
+        </p:nvSpPr>
+        <p:spPr>
+          <a:xfrm>
+            <a:off x="999110" y="238231"/>
+            <a:ext cx="4149503" cy="1197864"/>
+          </a:xfrm>
+        </p:spPr>
+        <p:txBody>
+          <a:bodyPr anchor="ctr">
+            <a:noAutofit/>
+          </a:bodyPr>
+          <a:lstStyle/>
+          <a:p>
+            <a:r>
+              <a:rPr lang="es-ES" sz="5100" dirty="0"/>
+              <a:t>WORLD</a:t>
+            </a:r>
+          </a:p>
+        </p:txBody>
+      </p:sp>
+    </p:spTree>
+    <p:extLst>
+      <p:ext uri="{BB962C8B-B14F-4D97-AF65-F5344CB8AC3E}">
+        <p14:creationId xmlns:p14="http://schemas.microsoft.com/office/powerpoint/2010/main" val="298767703"/>
+      </p:ext>
+    </p:extLst>
+  </p:cSld>
+  <p:clrMapOvr>
+    <a:masterClrMapping/>
+  </p:clrMapOvr>
+</p:sld>
+</file>
+
+<file path=ppt/slides/slide5.xml><?xml version="1.0" encoding="utf-8"?>
+<p:sld xmlns:a="http://schemas.openxmlformats.org/drawingml/2006/main" xmlns:r="http://schemas.openxmlformats.org/officeDocument/2006/relationships" xmlns:p="http://schemas.openxmlformats.org/presentationml/2006/main">
+  <p:cSld>
+    <p:bg>
+      <p:bgPr>
+        <a:solidFill>
           <a:schemeClr val="bg1"/>
         </a:solidFill>
         <a:effectLst/>
@@ -10637,7 +12362,7 @@
         </p:spPr>
         <p:txBody>
           <a:bodyPr anchor="b">
-            <a:normAutofit fontScale="92500" lnSpcReduction="20000"/>
+            <a:normAutofit/>
           </a:bodyPr>
           <a:lstStyle/>
           <a:p>
@@ -10646,19 +12371,6 @@
                 <a:srgbClr val="FFFFFF"/>
               </a:solidFill>
             </a:endParaRPr>
-          </a:p>
-          <a:p>
-            <a:pPr marL="0" indent="0">
-              <a:buNone/>
-            </a:pPr>
-            <a:r>
-              <a:rPr lang="en-US" sz="1600" dirty="0">
-                <a:solidFill>
-                  <a:srgbClr val="FFFFFF"/>
-                </a:solidFill>
-              </a:rPr>
-              <a:t>Designed by Antonio Suarez Crespo</a:t>
-            </a:r>
           </a:p>
         </p:txBody>
       </p:sp>
@@ -10933,7 +12645,7 @@
 </p:sld>
 </file>
 
-<file path=ppt/slides/slide5.xml><?xml version="1.0" encoding="utf-8"?>
+<file path=ppt/slides/slide6.xml><?xml version="1.0" encoding="utf-8"?>
 <p:sld xmlns:a="http://schemas.openxmlformats.org/drawingml/2006/main" xmlns:r="http://schemas.openxmlformats.org/officeDocument/2006/relationships" xmlns:p="http://schemas.openxmlformats.org/presentationml/2006/main">
   <p:cSld>
     <p:bg>
@@ -14284,8 +15996,8 @@
         </p:nvSpPr>
         <p:spPr>
           <a:xfrm>
-            <a:off x="2073311" y="1828800"/>
-            <a:ext cx="8045373" cy="4398264"/>
+            <a:off x="1902927" y="2057344"/>
+            <a:ext cx="8386142" cy="3236826"/>
           </a:xfrm>
         </p:spPr>
         <p:txBody>
@@ -14303,23 +16015,61 @@
               <a:t>Sprint 2: </a:t>
             </a:r>
             <a:r>
-              <a:rPr lang="en-US" sz="1800" dirty="0" err="1">
+              <a:rPr lang="en-US" sz="1600" dirty="0" err="1">
                 <a:solidFill>
                   <a:srgbClr val="2A1A00"/>
                 </a:solidFill>
               </a:rPr>
-              <a:t>Prueba</a:t>
+              <a:t>Mecánica</a:t>
             </a:r>
             <a:r>
-              <a:rPr lang="en-US" sz="1800" dirty="0">
+              <a:rPr lang="en-US" sz="1600" dirty="0">
                 <a:solidFill>
                   <a:srgbClr val="2A1A00"/>
                 </a:solidFill>
               </a:rPr>
-              <a:t> functional de </a:t>
+              <a:t> de </a:t>
             </a:r>
-          </a:p>
-          <a:p>
+            <a:r>
+              <a:rPr lang="en-US" sz="1600" dirty="0" err="1">
+                <a:solidFill>
+                  <a:srgbClr val="2A1A00"/>
+                </a:solidFill>
+              </a:rPr>
+              <a:t>pesca</a:t>
+            </a:r>
+            <a:r>
+              <a:rPr lang="en-US" sz="1600" dirty="0">
+                <a:solidFill>
+                  <a:srgbClr val="2A1A00"/>
+                </a:solidFill>
+              </a:rPr>
+              <a:t> y </a:t>
+            </a:r>
+            <a:r>
+              <a:rPr lang="en-US" sz="1600" dirty="0" err="1">
+                <a:solidFill>
+                  <a:srgbClr val="2A1A00"/>
+                </a:solidFill>
+              </a:rPr>
+              <a:t>el</a:t>
+            </a:r>
+            <a:r>
+              <a:rPr lang="en-US" sz="1600" dirty="0">
+                <a:solidFill>
+                  <a:srgbClr val="2A1A00"/>
+                </a:solidFill>
+              </a:rPr>
+              <a:t> </a:t>
+            </a:r>
+            <a:r>
+              <a:rPr lang="en-US" sz="1600" dirty="0" err="1">
+                <a:solidFill>
+                  <a:srgbClr val="2A1A00"/>
+                </a:solidFill>
+              </a:rPr>
+              <a:t>mapa</a:t>
+            </a:r>
             <a:endParaRPr lang="en-US" sz="1800" dirty="0">
               <a:solidFill>
                 <a:srgbClr val="2A1A00"/>
@@ -14347,15 +16097,48 @@
                   <a:srgbClr val="2A1A00"/>
                 </a:solidFill>
               </a:rPr>
-              <a:t>Sprint 3</a:t>
+              <a:t>Sprint 3: </a:t>
             </a:r>
-          </a:p>
-          <a:p>
-            <a:endParaRPr lang="en-US" sz="1800" dirty="0">
-              <a:solidFill>
-                <a:srgbClr val="2A1A00"/>
-              </a:solidFill>
-            </a:endParaRPr>
+            <a:r>
+              <a:rPr lang="en-US" sz="1600" dirty="0">
+                <a:solidFill>
+                  <a:srgbClr val="2A1A00"/>
+                </a:solidFill>
+              </a:rPr>
+              <a:t>NPC’s y Las </a:t>
+            </a:r>
+            <a:r>
+              <a:rPr lang="en-US" sz="1600" dirty="0" err="1">
+                <a:solidFill>
+                  <a:srgbClr val="2A1A00"/>
+                </a:solidFill>
+              </a:rPr>
+              <a:t>misiones</a:t>
+            </a:r>
+            <a:r>
+              <a:rPr lang="en-US" sz="1600" dirty="0">
+                <a:solidFill>
+                  <a:srgbClr val="2A1A00"/>
+                </a:solidFill>
+              </a:rPr>
+              <a:t> (</a:t>
+            </a:r>
+            <a:r>
+              <a:rPr lang="en-US" sz="1600" dirty="0" err="1">
+                <a:solidFill>
+                  <a:srgbClr val="2A1A00"/>
+                </a:solidFill>
+              </a:rPr>
+              <a:t>niveles</a:t>
+            </a:r>
+            <a:r>
+              <a:rPr lang="en-US" sz="1600" dirty="0">
+                <a:solidFill>
+                  <a:srgbClr val="2A1A00"/>
+                </a:solidFill>
+              </a:rPr>
+              <a:t>)</a:t>
+            </a:r>
           </a:p>
           <a:p>
             <a:endParaRPr lang="en-US" sz="1800" dirty="0">
@@ -14378,8 +16161,37 @@
                   <a:srgbClr val="2A1A00"/>
                 </a:solidFill>
               </a:rPr>
-              <a:t>Sprint 4</a:t>
+              <a:t>Sprint 4: </a:t>
             </a:r>
+            <a:r>
+              <a:rPr lang="en-US" sz="1600" dirty="0" err="1">
+                <a:solidFill>
+                  <a:srgbClr val="2A1A00"/>
+                </a:solidFill>
+              </a:rPr>
+              <a:t>Retoques</a:t>
+            </a:r>
+            <a:r>
+              <a:rPr lang="en-US" sz="1600" dirty="0">
+                <a:solidFill>
+                  <a:srgbClr val="2A1A00"/>
+                </a:solidFill>
+              </a:rPr>
+              <a:t> finales e </a:t>
+            </a:r>
+            <a:r>
+              <a:rPr lang="en-US" sz="1600" dirty="0" err="1">
+                <a:solidFill>
+                  <a:srgbClr val="2A1A00"/>
+                </a:solidFill>
+              </a:rPr>
+              <a:t>historia</a:t>
+            </a:r>
+            <a:endParaRPr lang="en-US" sz="1800" dirty="0">
+              <a:solidFill>
+                <a:srgbClr val="2A1A00"/>
+              </a:solidFill>
+            </a:endParaRPr>
           </a:p>
         </p:txBody>
       </p:sp>

--- a/SPRINT1/SPRINT_1.pptx
+++ b/SPRINT1/SPRINT_1.pptx
@@ -9746,40 +9746,24 @@
           <a:p>
             <a:r>
               <a:rPr lang="es-ES" sz="2800" dirty="0" err="1"/>
-              <a:t>Game</a:t>
+              <a:t>Level</a:t>
             </a:r>
             <a:r>
               <a:rPr lang="es-ES" sz="2800" dirty="0"/>
-              <a:t> </a:t>
+              <a:t> Design</a:t>
             </a:r>
+          </a:p>
+          <a:p>
             <a:r>
               <a:rPr lang="es-ES" sz="2800" dirty="0" err="1"/>
-              <a:t>Genre</a:t>
+              <a:t>Characters</a:t>
             </a:r>
             <a:endParaRPr lang="es-ES" sz="2800" dirty="0"/>
           </a:p>
           <a:p>
             <a:r>
               <a:rPr lang="es-ES" sz="2800" dirty="0" err="1"/>
-              <a:t>Character</a:t>
-            </a:r>
-            <a:r>
-              <a:rPr lang="es-ES" sz="2800" dirty="0"/>
-              <a:t>(s)</a:t>
-            </a:r>
-          </a:p>
-          <a:p>
-            <a:r>
-              <a:rPr lang="es-ES" sz="2800" dirty="0" err="1"/>
               <a:t>World</a:t>
-            </a:r>
-            <a:r>
-              <a:rPr lang="es-ES" sz="2800" dirty="0"/>
-              <a:t>/</a:t>
-            </a:r>
-            <a:r>
-              <a:rPr lang="es-ES" sz="2800" dirty="0" err="1"/>
-              <a:t>Levels</a:t>
             </a:r>
             <a:endParaRPr lang="es-ES" sz="2800" dirty="0"/>
           </a:p>
@@ -9800,18 +9784,9 @@
           </a:p>
           <a:p>
             <a:r>
-              <a:rPr lang="es-ES" sz="2800" dirty="0" err="1"/>
-              <a:t>Sound</a:t>
+              <a:rPr lang="es-ES" sz="2800" dirty="0"/>
+              <a:t>User interface</a:t>
             </a:r>
-            <a:r>
-              <a:rPr lang="es-ES" sz="2800" dirty="0"/>
-              <a:t> </a:t>
-            </a:r>
-            <a:r>
-              <a:rPr lang="es-ES" sz="2800" dirty="0" err="1"/>
-              <a:t>Effects</a:t>
-            </a:r>
-            <a:endParaRPr lang="en-US" sz="2800" dirty="0"/>
           </a:p>
         </p:txBody>
       </p:sp>
